--- a/Lab 02/lec04 datetime queries.pptx
+++ b/Lab 02/lec04 datetime queries.pptx
@@ -17,7 +17,6 @@
     <p:sldId id="265" r:id="rId11"/>
     <p:sldId id="266" r:id="rId12"/>
     <p:sldId id="267" r:id="rId13"/>
-    <p:sldId id="268" r:id="rId14"/>
   </p:sldIdLst>
   <p:sldSz cx="12192000" cy="6858000"/>
   <p:notesSz cx="6858000" cy="9144000"/>
@@ -250,7 +249,7 @@
           <a:p>
             <a:fld id="{EF05BD87-BCFE-46D2-8986-7B1739FA5E52}" type="datetimeFigureOut">
               <a:rPr lang="en-US" smtClean="0"/>
-              <a:t>2/23/2024</a:t>
+              <a:t>2/25/2024</a:t>
             </a:fld>
             <a:endParaRPr lang="en-US"/>
           </a:p>
@@ -420,7 +419,7 @@
           <a:p>
             <a:fld id="{EF05BD87-BCFE-46D2-8986-7B1739FA5E52}" type="datetimeFigureOut">
               <a:rPr lang="en-US" smtClean="0"/>
-              <a:t>2/23/2024</a:t>
+              <a:t>2/25/2024</a:t>
             </a:fld>
             <a:endParaRPr lang="en-US"/>
           </a:p>
@@ -600,7 +599,7 @@
           <a:p>
             <a:fld id="{EF05BD87-BCFE-46D2-8986-7B1739FA5E52}" type="datetimeFigureOut">
               <a:rPr lang="en-US" smtClean="0"/>
-              <a:t>2/23/2024</a:t>
+              <a:t>2/25/2024</a:t>
             </a:fld>
             <a:endParaRPr lang="en-US"/>
           </a:p>
@@ -770,7 +769,7 @@
           <a:p>
             <a:fld id="{EF05BD87-BCFE-46D2-8986-7B1739FA5E52}" type="datetimeFigureOut">
               <a:rPr lang="en-US" smtClean="0"/>
-              <a:t>2/23/2024</a:t>
+              <a:t>2/25/2024</a:t>
             </a:fld>
             <a:endParaRPr lang="en-US"/>
           </a:p>
@@ -1016,7 +1015,7 @@
           <a:p>
             <a:fld id="{EF05BD87-BCFE-46D2-8986-7B1739FA5E52}" type="datetimeFigureOut">
               <a:rPr lang="en-US" smtClean="0"/>
-              <a:t>2/23/2024</a:t>
+              <a:t>2/25/2024</a:t>
             </a:fld>
             <a:endParaRPr lang="en-US"/>
           </a:p>
@@ -1248,7 +1247,7 @@
           <a:p>
             <a:fld id="{EF05BD87-BCFE-46D2-8986-7B1739FA5E52}" type="datetimeFigureOut">
               <a:rPr lang="en-US" smtClean="0"/>
-              <a:t>2/23/2024</a:t>
+              <a:t>2/25/2024</a:t>
             </a:fld>
             <a:endParaRPr lang="en-US"/>
           </a:p>
@@ -1615,7 +1614,7 @@
           <a:p>
             <a:fld id="{EF05BD87-BCFE-46D2-8986-7B1739FA5E52}" type="datetimeFigureOut">
               <a:rPr lang="en-US" smtClean="0"/>
-              <a:t>2/23/2024</a:t>
+              <a:t>2/25/2024</a:t>
             </a:fld>
             <a:endParaRPr lang="en-US"/>
           </a:p>
@@ -1733,7 +1732,7 @@
           <a:p>
             <a:fld id="{EF05BD87-BCFE-46D2-8986-7B1739FA5E52}" type="datetimeFigureOut">
               <a:rPr lang="en-US" smtClean="0"/>
-              <a:t>2/23/2024</a:t>
+              <a:t>2/25/2024</a:t>
             </a:fld>
             <a:endParaRPr lang="en-US"/>
           </a:p>
@@ -1828,7 +1827,7 @@
           <a:p>
             <a:fld id="{EF05BD87-BCFE-46D2-8986-7B1739FA5E52}" type="datetimeFigureOut">
               <a:rPr lang="en-US" smtClean="0"/>
-              <a:t>2/23/2024</a:t>
+              <a:t>2/25/2024</a:t>
             </a:fld>
             <a:endParaRPr lang="en-US"/>
           </a:p>
@@ -2105,7 +2104,7 @@
           <a:p>
             <a:fld id="{EF05BD87-BCFE-46D2-8986-7B1739FA5E52}" type="datetimeFigureOut">
               <a:rPr lang="en-US" smtClean="0"/>
-              <a:t>2/23/2024</a:t>
+              <a:t>2/25/2024</a:t>
             </a:fld>
             <a:endParaRPr lang="en-US"/>
           </a:p>
@@ -2358,7 +2357,7 @@
           <a:p>
             <a:fld id="{EF05BD87-BCFE-46D2-8986-7B1739FA5E52}" type="datetimeFigureOut">
               <a:rPr lang="en-US" smtClean="0"/>
-              <a:t>2/23/2024</a:t>
+              <a:t>2/25/2024</a:t>
             </a:fld>
             <a:endParaRPr lang="en-US"/>
           </a:p>
@@ -2571,7 +2570,7 @@
           <a:p>
             <a:fld id="{EF05BD87-BCFE-46D2-8986-7B1739FA5E52}" type="datetimeFigureOut">
               <a:rPr lang="en-US" smtClean="0"/>
-              <a:t>2/23/2024</a:t>
+              <a:t>2/25/2024</a:t>
             </a:fld>
             <a:endParaRPr lang="en-US"/>
           </a:p>
@@ -3310,74 +3309,6 @@
 </p:sld>
 </file>
 
-<file path=ppt/slides/slide13.xml><?xml version="1.0" encoding="utf-8"?>
-<p:sld xmlns:a="http://schemas.openxmlformats.org/drawingml/2006/main" xmlns:r="http://schemas.openxmlformats.org/officeDocument/2006/relationships" xmlns:p="http://schemas.openxmlformats.org/presentationml/2006/main">
-  <p:cSld>
-    <p:spTree>
-      <p:nvGrpSpPr>
-        <p:cNvPr id="1" name=""/>
-        <p:cNvGrpSpPr/>
-        <p:nvPr/>
-      </p:nvGrpSpPr>
-      <p:grpSpPr>
-        <a:xfrm>
-          <a:off x="0" y="0"/>
-          <a:ext cx="0" cy="0"/>
-          <a:chOff x="0" y="0"/>
-          <a:chExt cx="0" cy="0"/>
-        </a:xfrm>
-      </p:grpSpPr>
-      <p:sp>
-        <p:nvSpPr>
-          <p:cNvPr id="2" name="Title 1"/>
-          <p:cNvSpPr>
-            <a:spLocks noGrp="1"/>
-          </p:cNvSpPr>
-          <p:nvPr>
-            <p:ph type="title"/>
-          </p:nvPr>
-        </p:nvSpPr>
-        <p:spPr/>
-        <p:txBody>
-          <a:bodyPr/>
-          <a:lstStyle/>
-          <a:p>
-            <a:endParaRPr lang="en-US"/>
-          </a:p>
-        </p:txBody>
-      </p:sp>
-      <p:sp>
-        <p:nvSpPr>
-          <p:cNvPr id="3" name="Content Placeholder 2"/>
-          <p:cNvSpPr>
-            <a:spLocks noGrp="1"/>
-          </p:cNvSpPr>
-          <p:nvPr>
-            <p:ph idx="1"/>
-          </p:nvPr>
-        </p:nvSpPr>
-        <p:spPr/>
-        <p:txBody>
-          <a:bodyPr/>
-          <a:lstStyle/>
-          <a:p>
-            <a:endParaRPr lang="en-US"/>
-          </a:p>
-        </p:txBody>
-      </p:sp>
-    </p:spTree>
-    <p:extLst>
-      <p:ext uri="{BB962C8B-B14F-4D97-AF65-F5344CB8AC3E}">
-        <p14:creationId xmlns:p14="http://schemas.microsoft.com/office/powerpoint/2010/main" val="3835593564"/>
-      </p:ext>
-    </p:extLst>
-  </p:cSld>
-  <p:clrMapOvr>
-    <a:masterClrMapping/>
-  </p:clrMapOvr>
-</p:sld>
-</file>
-
 <file path=ppt/slides/slide2.xml><?xml version="1.0" encoding="utf-8"?>
 <p:sld xmlns:a="http://schemas.openxmlformats.org/drawingml/2006/main" xmlns:r="http://schemas.openxmlformats.org/officeDocument/2006/relationships" xmlns:p="http://schemas.openxmlformats.org/presentationml/2006/main">
   <p:cSld>
@@ -4269,7 +4200,7 @@
     </a:clrScheme>
     <a:fontScheme name="Office">
       <a:majorFont>
-        <a:latin typeface="Calibri Light" panose="020F0302020204030204"/>
+        <a:latin typeface="Calibri Light"/>
         <a:ea typeface=""/>
         <a:cs typeface=""/>
         <a:font script="Jpan" typeface="游ゴシック Light"/>
@@ -4304,7 +4235,7 @@
         <a:font script="Geor" typeface="Sylfaen"/>
       </a:majorFont>
       <a:minorFont>
-        <a:latin typeface="Calibri" panose="020F0502020204030204"/>
+        <a:latin typeface="Calibri"/>
         <a:ea typeface=""/>
         <a:cs typeface=""/>
         <a:font script="Jpan" typeface="游ゴシック"/>
@@ -4481,7 +4412,7 @@
   <a:extraClrSchemeLst/>
   <a:extLst>
     <a:ext uri="{05A4C25C-085E-4340-85A3-A5531E510DB2}">
-      <thm15:themeFamily xmlns:thm15="http://schemas.microsoft.com/office/thememl/2012/main" name="Office Theme" id="{62F939B6-93AF-4DB8-9C6B-D6C7DFDC589F}" vid="{4A3C46E8-61CC-4603-A589-7422A47A8E4A}"/>
+      <thm15:themeFamily xmlns:thm15="http://schemas.microsoft.com/office/thememl/2012/main" xmlns="" name="Office Theme" id="{62F939B6-93AF-4DB8-9C6B-D6C7DFDC589F}" vid="{4A3C46E8-61CC-4603-A589-7422A47A8E4A}"/>
     </a:ext>
   </a:extLst>
 </a:theme>
